--- a/Docs/Учебный проект по ООП.pptx
+++ b/Docs/Учебный проект по ООП.pptx
@@ -10982,7 +10982,7 @@
       </p:grpSpPr>
       <p:pic>
         <p:nvPicPr>
-          <p:cNvPr id="6" name="Рисунок 5"/>
+          <p:cNvPr id="7" name="Рисунок 6"/>
           <p:cNvPicPr>
             <a:picLocks noChangeAspect="1"/>
           </p:cNvPicPr>
@@ -11002,8 +11002,8 @@
         </p:blipFill>
         <p:spPr>
           <a:xfrm>
-            <a:off x="256757" y="266008"/>
-            <a:ext cx="9377695" cy="6348082"/>
+            <a:off x="340558" y="232756"/>
+            <a:ext cx="9659654" cy="6538949"/>
           </a:xfrm>
           <a:prstGeom prst="rect">
             <a:avLst/>
@@ -15259,14 +15259,14 @@
           <p:nvPr>
             <p:extLst>
               <p:ext uri="{D42A27DB-BD31-4B8C-83A1-F6EECF244321}">
-                <p14:modId xmlns:p14="http://schemas.microsoft.com/office/powerpoint/2010/main" val="2571551606"/>
+                <p14:modId xmlns:p14="http://schemas.microsoft.com/office/powerpoint/2010/main" val="1968381229"/>
               </p:ext>
             </p:extLst>
           </p:nvPr>
         </p:nvGraphicFramePr>
         <p:xfrm>
           <a:off x="1780577" y="1100050"/>
-          <a:ext cx="9915432" cy="2153611"/>
+          <a:ext cx="9915432" cy="1635451"/>
         </p:xfrm>
         <a:graphic>
           <a:graphicData uri="http://schemas.openxmlformats.org/drawingml/2006/table">
@@ -15335,72 +15335,6 @@
                       <a:r>
                         <a:rPr lang="ru-RU" sz="1400" dirty="0" smtClean="0"/>
                         <a:t>Тип значения</a:t>
-                      </a:r>
-                      <a:endParaRPr lang="ru-RU" sz="1400" dirty="0"/>
-                    </a:p>
-                  </a:txBody>
-                  <a:tcPr/>
-                </a:tc>
-              </a:tr>
-              <a:tr h="370840">
-                <a:tc>
-                  <a:txBody>
-                    <a:bodyPr/>
-                    <a:lstStyle/>
-                    <a:p>
-                      <a:r>
-                        <a:rPr lang="en-US" sz="1400" dirty="0" smtClean="0"/>
-                        <a:t>private</a:t>
-                      </a:r>
-                      <a:endParaRPr lang="ru-RU" sz="1400" dirty="0"/>
-                    </a:p>
-                  </a:txBody>
-                  <a:tcPr/>
-                </a:tc>
-                <a:tc>
-                  <a:txBody>
-                    <a:bodyPr/>
-                    <a:lstStyle/>
-                    <a:p>
-                      <a:r>
-                        <a:rPr lang="en-US" sz="1400" dirty="0" err="1" smtClean="0"/>
-                        <a:t>playerHand</a:t>
-                      </a:r>
-                      <a:endParaRPr lang="ru-RU" sz="1400" dirty="0"/>
-                    </a:p>
-                  </a:txBody>
-                  <a:tcPr/>
-                </a:tc>
-                <a:tc>
-                  <a:txBody>
-                    <a:bodyPr/>
-                    <a:lstStyle/>
-                    <a:p>
-                      <a:r>
-                        <a:rPr lang="ru-RU" sz="1400" dirty="0" smtClean="0"/>
-                        <a:t>объект</a:t>
-                      </a:r>
-                      <a:r>
-                        <a:rPr lang="ru-RU" sz="1400" baseline="0" dirty="0" smtClean="0"/>
-                        <a:t> класса для работы с картами на руках </a:t>
-                      </a:r>
-                      <a:r>
-                        <a:rPr lang="ru-RU" sz="1400" baseline="0" dirty="0" err="1" smtClean="0"/>
-                        <a:t>игорока</a:t>
-                      </a:r>
-                      <a:endParaRPr lang="ru-RU" sz="1400" dirty="0"/>
-                    </a:p>
-                  </a:txBody>
-                  <a:tcPr/>
-                </a:tc>
-                <a:tc>
-                  <a:txBody>
-                    <a:bodyPr/>
-                    <a:lstStyle/>
-                    <a:p>
-                      <a:r>
-                        <a:rPr lang="en-US" sz="1400" dirty="0" err="1" smtClean="0"/>
-                        <a:t>PlayerHand</a:t>
                       </a:r>
                       <a:endParaRPr lang="ru-RU" sz="1400" dirty="0"/>
                     </a:p>

--- a/Docs/Учебный проект по ООП.pptx
+++ b/Docs/Учебный проект по ООП.pptx
@@ -6887,11 +6887,7 @@
                       </a:pPr>
                       <a:r>
                         <a:rPr lang="ru-RU" sz="1600" dirty="0" smtClean="0"/>
-                        <a:t>Реализует </a:t>
-                      </a:r>
-                      <a:r>
-                        <a:rPr lang="ru-RU" sz="1600" dirty="0" smtClean="0"/>
-                        <a:t>поведение игрока когда он отбивается </a:t>
+                        <a:t>Реализует поведение игрока когда он отбивается </a:t>
                       </a:r>
                       <a:endParaRPr lang="en-US" sz="1600" dirty="0" smtClean="0"/>
                     </a:p>
@@ -8087,11 +8083,7 @@
                       </a:pPr>
                       <a:r>
                         <a:rPr lang="ru-RU" sz="1600" dirty="0" smtClean="0"/>
-                        <a:t>Реализует </a:t>
-                      </a:r>
-                      <a:r>
-                        <a:rPr lang="ru-RU" sz="1600" dirty="0" smtClean="0"/>
-                        <a:t>поведение игрока когда он отбивается </a:t>
+                        <a:t>Реализует поведение игрока когда он отбивается </a:t>
                       </a:r>
                       <a:endParaRPr lang="en-US" sz="1600" dirty="0" smtClean="0"/>
                     </a:p>
@@ -8553,7 +8545,6 @@
                         <a:rPr lang="en-US" sz="1600" dirty="0" smtClean="0"/>
                         <a:t> </a:t>
                       </a:r>
-                      <a:endParaRPr lang="en-US" sz="1600" dirty="0" smtClean="0"/>
                     </a:p>
                   </a:txBody>
                   <a:tcPr/>
@@ -10133,7 +10124,12 @@
             <p:ph type="title"/>
           </p:nvPr>
         </p:nvSpPr>
-        <p:spPr/>
+        <p:spPr>
+          <a:xfrm>
+            <a:off x="677334" y="368531"/>
+            <a:ext cx="7203131" cy="878378"/>
+          </a:xfrm>
+        </p:spPr>
         <p:txBody>
           <a:bodyPr/>
           <a:lstStyle/>
@@ -10522,7 +10518,6 @@
                         <a:rPr lang="en-US" sz="1600" dirty="0" smtClean="0"/>
                         <a:t> </a:t>
                       </a:r>
-                      <a:endParaRPr lang="en-US" sz="1600" dirty="0" smtClean="0"/>
                     </a:p>
                   </a:txBody>
                   <a:tcPr/>
@@ -11120,15 +11115,7 @@
                   <a:schemeClr val="tx1"/>
                 </a:solidFill>
               </a:rPr>
-              <a:t> </a:t>
-            </a:r>
-            <a:r>
-              <a:rPr lang="en-US" dirty="0" smtClean="0">
-                <a:solidFill>
-                  <a:schemeClr val="tx1"/>
-                </a:solidFill>
-              </a:rPr>
-              <a:t>– </a:t>
+              <a:t> – </a:t>
             </a:r>
             <a:r>
               <a:rPr lang="ru-RU" dirty="0" smtClean="0">
@@ -11160,11 +11147,6 @@
               </a:rPr>
               <a:t>6</a:t>
             </a:r>
-            <a:endParaRPr lang="en-US" dirty="0" smtClean="0">
-              <a:solidFill>
-                <a:schemeClr val="tx1"/>
-              </a:solidFill>
-            </a:endParaRPr>
           </a:p>
           <a:p>
             <a:pPr>
@@ -11607,7 +11589,6 @@
               <a:rPr lang="en-US" sz="2000" dirty="0" smtClean="0"/>
               <a:t>:</a:t>
             </a:r>
-            <a:endParaRPr lang="en-US" sz="2000" dirty="0" smtClean="0"/>
           </a:p>
         </p:txBody>
       </p:sp>
@@ -13167,11 +13148,7 @@
             </a:pPr>
             <a:r>
               <a:rPr lang="ru-RU" dirty="0" smtClean="0"/>
-              <a:t>Описывает </a:t>
-            </a:r>
-            <a:r>
-              <a:rPr lang="ru-RU" dirty="0" smtClean="0"/>
-              <a:t>поведение карт </a:t>
+              <a:t>Описывает поведение карт </a:t>
             </a:r>
             <a:r>
               <a:rPr lang="en-US" dirty="0" smtClean="0"/>
@@ -13189,7 +13166,6 @@
               <a:rPr lang="ru-RU" dirty="0" smtClean="0"/>
               <a:t> игрока</a:t>
             </a:r>
-            <a:endParaRPr lang="ru-RU" dirty="0" smtClean="0"/>
           </a:p>
           <a:p>
             <a:pPr marL="0" indent="0">
@@ -14193,17 +14169,8 @@
             </a:pPr>
             <a:r>
               <a:rPr lang="ru-RU" dirty="0" smtClean="0"/>
-              <a:t>Описывает </a:t>
-            </a:r>
-            <a:r>
-              <a:rPr lang="ru-RU" dirty="0" smtClean="0"/>
-              <a:t>поведение </a:t>
-            </a:r>
-            <a:r>
-              <a:rPr lang="ru-RU" dirty="0" smtClean="0"/>
-              <a:t>карт в игре в течение хода</a:t>
-            </a:r>
-            <a:endParaRPr lang="ru-RU" dirty="0" smtClean="0"/>
+              <a:t>Описывает поведение карт в игре в течение хода</a:t>
+            </a:r>
           </a:p>
           <a:p>
             <a:pPr marL="0" indent="0">
@@ -15913,11 +15880,7 @@
                       </a:pPr>
                       <a:r>
                         <a:rPr lang="ru-RU" sz="1400" dirty="0" smtClean="0"/>
-                        <a:t>Реализует </a:t>
-                      </a:r>
-                      <a:r>
-                        <a:rPr lang="ru-RU" sz="1400" dirty="0" smtClean="0"/>
-                        <a:t>поведение игрока когда он отбивается </a:t>
+                        <a:t>Реализует поведение игрока когда он отбивается </a:t>
                       </a:r>
                       <a:endParaRPr lang="en-US" sz="1400" dirty="0" smtClean="0"/>
                     </a:p>

--- a/Docs/Учебный проект по ООП.pptx
+++ b/Docs/Учебный проект по ООП.pptx
@@ -18,9 +18,10 @@
     <p:sldId id="269" r:id="rId12"/>
     <p:sldId id="264" r:id="rId13"/>
     <p:sldId id="267" r:id="rId14"/>
-    <p:sldId id="265" r:id="rId15"/>
-    <p:sldId id="266" r:id="rId16"/>
-    <p:sldId id="268" r:id="rId17"/>
+    <p:sldId id="272" r:id="rId15"/>
+    <p:sldId id="265" r:id="rId16"/>
+    <p:sldId id="266" r:id="rId17"/>
+    <p:sldId id="268" r:id="rId18"/>
   </p:sldIdLst>
   <p:sldSz cx="12192000" cy="6858000"/>
   <p:notesSz cx="6858000" cy="9144000"/>
@@ -849,7 +850,7 @@
           <a:p>
             <a:fld id="{67F89646-1222-4892-9EE2-AFA9BBC21E33}" type="datetimeFigureOut">
               <a:rPr lang="ru-RU" smtClean="0"/>
-              <a:t>20.09.2024</a:t>
+              <a:t>21.09.2024</a:t>
             </a:fld>
             <a:endParaRPr lang="ru-RU"/>
           </a:p>
@@ -1100,7 +1101,7 @@
           <a:p>
             <a:fld id="{67F89646-1222-4892-9EE2-AFA9BBC21E33}" type="datetimeFigureOut">
               <a:rPr lang="ru-RU" smtClean="0"/>
-              <a:t>20.09.2024</a:t>
+              <a:t>21.09.2024</a:t>
             </a:fld>
             <a:endParaRPr lang="ru-RU"/>
           </a:p>
@@ -1414,7 +1415,7 @@
           <a:p>
             <a:fld id="{67F89646-1222-4892-9EE2-AFA9BBC21E33}" type="datetimeFigureOut">
               <a:rPr lang="ru-RU" smtClean="0"/>
-              <a:t>20.09.2024</a:t>
+              <a:t>21.09.2024</a:t>
             </a:fld>
             <a:endParaRPr lang="ru-RU"/>
           </a:p>
@@ -1755,7 +1756,7 @@
           <a:p>
             <a:fld id="{67F89646-1222-4892-9EE2-AFA9BBC21E33}" type="datetimeFigureOut">
               <a:rPr lang="ru-RU" smtClean="0"/>
-              <a:t>20.09.2024</a:t>
+              <a:t>21.09.2024</a:t>
             </a:fld>
             <a:endParaRPr lang="ru-RU"/>
           </a:p>
@@ -2069,7 +2070,7 @@
           <a:p>
             <a:fld id="{67F89646-1222-4892-9EE2-AFA9BBC21E33}" type="datetimeFigureOut">
               <a:rPr lang="ru-RU" smtClean="0"/>
-              <a:t>20.09.2024</a:t>
+              <a:t>21.09.2024</a:t>
             </a:fld>
             <a:endParaRPr lang="ru-RU"/>
           </a:p>
@@ -2462,7 +2463,7 @@
           <a:p>
             <a:fld id="{67F89646-1222-4892-9EE2-AFA9BBC21E33}" type="datetimeFigureOut">
               <a:rPr lang="ru-RU" smtClean="0"/>
-              <a:t>20.09.2024</a:t>
+              <a:t>21.09.2024</a:t>
             </a:fld>
             <a:endParaRPr lang="ru-RU"/>
           </a:p>
@@ -2632,7 +2633,7 @@
           <a:p>
             <a:fld id="{67F89646-1222-4892-9EE2-AFA9BBC21E33}" type="datetimeFigureOut">
               <a:rPr lang="ru-RU" smtClean="0"/>
-              <a:t>20.09.2024</a:t>
+              <a:t>21.09.2024</a:t>
             </a:fld>
             <a:endParaRPr lang="ru-RU"/>
           </a:p>
@@ -2812,7 +2813,7 @@
           <a:p>
             <a:fld id="{67F89646-1222-4892-9EE2-AFA9BBC21E33}" type="datetimeFigureOut">
               <a:rPr lang="ru-RU" smtClean="0"/>
-              <a:t>20.09.2024</a:t>
+              <a:t>21.09.2024</a:t>
             </a:fld>
             <a:endParaRPr lang="ru-RU"/>
           </a:p>
@@ -2988,7 +2989,7 @@
           <a:p>
             <a:fld id="{67F89646-1222-4892-9EE2-AFA9BBC21E33}" type="datetimeFigureOut">
               <a:rPr lang="ru-RU" smtClean="0"/>
-              <a:t>20.09.2024</a:t>
+              <a:t>21.09.2024</a:t>
             </a:fld>
             <a:endParaRPr lang="ru-RU"/>
           </a:p>
@@ -3235,7 +3236,7 @@
           <a:p>
             <a:fld id="{67F89646-1222-4892-9EE2-AFA9BBC21E33}" type="datetimeFigureOut">
               <a:rPr lang="ru-RU" smtClean="0"/>
-              <a:t>20.09.2024</a:t>
+              <a:t>21.09.2024</a:t>
             </a:fld>
             <a:endParaRPr lang="ru-RU"/>
           </a:p>
@@ -3467,7 +3468,7 @@
           <a:p>
             <a:fld id="{67F89646-1222-4892-9EE2-AFA9BBC21E33}" type="datetimeFigureOut">
               <a:rPr lang="ru-RU" smtClean="0"/>
-              <a:t>20.09.2024</a:t>
+              <a:t>21.09.2024</a:t>
             </a:fld>
             <a:endParaRPr lang="ru-RU"/>
           </a:p>
@@ -3841,7 +3842,7 @@
           <a:p>
             <a:fld id="{67F89646-1222-4892-9EE2-AFA9BBC21E33}" type="datetimeFigureOut">
               <a:rPr lang="ru-RU" smtClean="0"/>
-              <a:t>20.09.2024</a:t>
+              <a:t>21.09.2024</a:t>
             </a:fld>
             <a:endParaRPr lang="ru-RU"/>
           </a:p>
@@ -3964,7 +3965,7 @@
           <a:p>
             <a:fld id="{67F89646-1222-4892-9EE2-AFA9BBC21E33}" type="datetimeFigureOut">
               <a:rPr lang="ru-RU" smtClean="0"/>
-              <a:t>20.09.2024</a:t>
+              <a:t>21.09.2024</a:t>
             </a:fld>
             <a:endParaRPr lang="ru-RU"/>
           </a:p>
@@ -4059,7 +4060,7 @@
           <a:p>
             <a:fld id="{67F89646-1222-4892-9EE2-AFA9BBC21E33}" type="datetimeFigureOut">
               <a:rPr lang="ru-RU" smtClean="0"/>
-              <a:t>20.09.2024</a:t>
+              <a:t>21.09.2024</a:t>
             </a:fld>
             <a:endParaRPr lang="ru-RU"/>
           </a:p>
@@ -4314,7 +4315,7 @@
           <a:p>
             <a:fld id="{67F89646-1222-4892-9EE2-AFA9BBC21E33}" type="datetimeFigureOut">
               <a:rPr lang="ru-RU" smtClean="0"/>
-              <a:t>20.09.2024</a:t>
+              <a:t>21.09.2024</a:t>
             </a:fld>
             <a:endParaRPr lang="ru-RU"/>
           </a:p>
@@ -4577,7 +4578,7 @@
           <a:p>
             <a:fld id="{67F89646-1222-4892-9EE2-AFA9BBC21E33}" type="datetimeFigureOut">
               <a:rPr lang="ru-RU" smtClean="0"/>
-              <a:t>20.09.2024</a:t>
+              <a:t>21.09.2024</a:t>
             </a:fld>
             <a:endParaRPr lang="ru-RU"/>
           </a:p>
@@ -5320,7 +5321,7 @@
           <a:p>
             <a:fld id="{67F89646-1222-4892-9EE2-AFA9BBC21E33}" type="datetimeFigureOut">
               <a:rPr lang="ru-RU" smtClean="0"/>
-              <a:t>20.09.2024</a:t>
+              <a:t>21.09.2024</a:t>
             </a:fld>
             <a:endParaRPr lang="ru-RU"/>
           </a:p>
@@ -5941,8 +5942,8 @@
               <a:t>Класс </a:t>
             </a:r>
             <a:r>
-              <a:rPr lang="en-US" dirty="0" err="1" smtClean="0"/>
-              <a:t>PeoplePlayer</a:t>
+              <a:rPr lang="en-US" dirty="0" smtClean="0"/>
+              <a:t>Player</a:t>
             </a:r>
             <a:endParaRPr lang="ru-RU" dirty="0"/>
           </a:p>
@@ -7794,14 +7795,14 @@
           <p:nvPr>
             <p:extLst>
               <p:ext uri="{D42A27DB-BD31-4B8C-83A1-F6EECF244321}">
-                <p14:modId xmlns:p14="http://schemas.microsoft.com/office/powerpoint/2010/main" val="1250996859"/>
+                <p14:modId xmlns:p14="http://schemas.microsoft.com/office/powerpoint/2010/main" val="826820616"/>
               </p:ext>
             </p:extLst>
           </p:nvPr>
         </p:nvGraphicFramePr>
         <p:xfrm>
           <a:off x="577581" y="951043"/>
-          <a:ext cx="10386905" cy="4809677"/>
+          <a:ext cx="10386905" cy="5053517"/>
         </p:xfrm>
         <a:graphic>
           <a:graphicData uri="http://schemas.openxmlformats.org/drawingml/2006/table">
@@ -8609,7 +8610,7 @@
                       </a:pPr>
                       <a:r>
                         <a:rPr lang="en-US" sz="1600" dirty="0" smtClean="0"/>
-                        <a:t>private</a:t>
+                        <a:t>private virtual</a:t>
                       </a:r>
                       <a:endParaRPr lang="ru-RU" sz="1600" dirty="0" smtClean="0"/>
                     </a:p>
@@ -8778,8 +8779,8 @@
         </p:nvSpPr>
         <p:spPr>
           <a:xfrm>
-            <a:off x="677334" y="202275"/>
-            <a:ext cx="3811539" cy="720436"/>
+            <a:off x="677334" y="227214"/>
+            <a:ext cx="4709313" cy="778625"/>
           </a:xfrm>
         </p:spPr>
         <p:txBody>
@@ -8787,12 +8788,12 @@
           <a:lstStyle/>
           <a:p>
             <a:r>
-              <a:rPr lang="ru-RU" dirty="0" smtClean="0"/>
+              <a:rPr lang="ru-RU" dirty="0"/>
               <a:t>Класс </a:t>
             </a:r>
             <a:r>
               <a:rPr lang="en-US" dirty="0" err="1" smtClean="0"/>
-              <a:t>ScoreTable</a:t>
+              <a:t>AINoobPlayer</a:t>
             </a:r>
             <a:endParaRPr lang="ru-RU" dirty="0"/>
           </a:p>
@@ -8810,29 +8811,30 @@
         </p:nvSpPr>
         <p:spPr>
           <a:xfrm>
-            <a:off x="677334" y="1030776"/>
-            <a:ext cx="9763451" cy="5212081"/>
+            <a:off x="677334" y="1005839"/>
+            <a:ext cx="8596668" cy="3880773"/>
           </a:xfrm>
         </p:spPr>
         <p:txBody>
           <a:bodyPr/>
           <a:lstStyle/>
           <a:p>
-            <a:pPr marL="0" indent="0">
-              <a:buNone/>
-            </a:pPr>
             <a:r>
               <a:rPr lang="ru-RU" dirty="0" smtClean="0"/>
-              <a:t>Реализует поведение таблиц</a:t>
-            </a:r>
-            <a:r>
-              <a:rPr lang="ru-RU" dirty="0"/>
-              <a:t>ы</a:t>
-            </a:r>
+              <a:t>Класс неумелого бота-игрока, ходит с минимальных карт</a:t>
+            </a:r>
+            <a:endParaRPr lang="en-US" dirty="0" smtClean="0"/>
+          </a:p>
+          <a:p>
             <a:r>
               <a:rPr lang="ru-RU" dirty="0" smtClean="0"/>
-              <a:t> рекордов</a:t>
-            </a:r>
+              <a:t>Класс-наследник класса </a:t>
+            </a:r>
+            <a:r>
+              <a:rPr lang="en-US" dirty="0" err="1" smtClean="0"/>
+              <a:t>AIPlayer</a:t>
+            </a:r>
+            <a:endParaRPr lang="ru-RU" dirty="0" smtClean="0"/>
           </a:p>
           <a:p>
             <a:pPr marL="0" indent="0">
@@ -8851,32 +8853,38 @@
             <a:pPr marL="0" indent="0">
               <a:buNone/>
             </a:pPr>
-            <a:endParaRPr lang="ru-RU" dirty="0" smtClean="0"/>
+            <a:endParaRPr lang="en-US" dirty="0"/>
+          </a:p>
+          <a:p>
+            <a:pPr marL="0" indent="0">
+              <a:buNone/>
+            </a:pPr>
+            <a:endParaRPr lang="en-US" dirty="0" smtClean="0"/>
+          </a:p>
+          <a:p>
+            <a:pPr marL="0" indent="0">
+              <a:buNone/>
+            </a:pPr>
+            <a:r>
+              <a:rPr lang="ru-RU" dirty="0" smtClean="0"/>
+              <a:t>Методы</a:t>
+            </a:r>
+            <a:r>
+              <a:rPr lang="en-US" dirty="0" smtClean="0"/>
+              <a:t>:</a:t>
+            </a:r>
+          </a:p>
+          <a:p>
+            <a:pPr marL="0" indent="0">
+              <a:buNone/>
+            </a:pPr>
+            <a:endParaRPr lang="en-US" dirty="0" smtClean="0"/>
           </a:p>
           <a:p>
             <a:pPr marL="0" indent="0">
               <a:buNone/>
             </a:pPr>
             <a:endParaRPr lang="ru-RU" dirty="0"/>
-          </a:p>
-          <a:p>
-            <a:pPr marL="0" indent="0">
-              <a:buNone/>
-            </a:pPr>
-            <a:endParaRPr lang="ru-RU" dirty="0" smtClean="0"/>
-          </a:p>
-          <a:p>
-            <a:pPr marL="0" indent="0">
-              <a:buNone/>
-            </a:pPr>
-            <a:r>
-              <a:rPr lang="ru-RU" dirty="0" smtClean="0"/>
-              <a:t>Методы</a:t>
-            </a:r>
-            <a:r>
-              <a:rPr lang="en-US" dirty="0" smtClean="0"/>
-              <a:t>:</a:t>
-            </a:r>
           </a:p>
         </p:txBody>
       </p:sp>
@@ -8889,14 +8897,14 @@
           <p:nvPr>
             <p:extLst>
               <p:ext uri="{D42A27DB-BD31-4B8C-83A1-F6EECF244321}">
-                <p14:modId xmlns:p14="http://schemas.microsoft.com/office/powerpoint/2010/main" val="2940447475"/>
+                <p14:modId xmlns:p14="http://schemas.microsoft.com/office/powerpoint/2010/main" val="1949087136"/>
               </p:ext>
             </p:extLst>
           </p:nvPr>
         </p:nvGraphicFramePr>
         <p:xfrm>
-          <a:off x="677334" y="1791394"/>
-          <a:ext cx="8509231" cy="1275372"/>
+          <a:off x="764771" y="2240281"/>
+          <a:ext cx="8509231" cy="696252"/>
         </p:xfrm>
         <a:graphic>
           <a:graphicData uri="http://schemas.openxmlformats.org/drawingml/2006/table">
@@ -8993,106 +9001,36 @@
                     <a:lstStyle/>
                     <a:p>
                       <a:r>
-                        <a:rPr lang="en-US" sz="1600" dirty="0" smtClean="0"/>
-                        <a:t>winners</a:t>
-                      </a:r>
-                      <a:endParaRPr lang="ru-RU" sz="1600" dirty="0"/>
-                    </a:p>
-                  </a:txBody>
-                  <a:tcPr/>
-                </a:tc>
-                <a:tc>
-                  <a:txBody>
-                    <a:bodyPr/>
-                    <a:lstStyle/>
-                    <a:p>
-                      <a:r>
-                        <a:rPr lang="ru-RU" sz="1600" dirty="0" smtClean="0"/>
-                        <a:t>список имен победителей</a:t>
-                      </a:r>
-                      <a:r>
-                        <a:rPr lang="en-US" sz="1600" dirty="0" smtClean="0"/>
-                        <a:t> </a:t>
-                      </a:r>
-                      <a:endParaRPr lang="ru-RU" sz="1600" dirty="0"/>
-                    </a:p>
-                  </a:txBody>
-                  <a:tcPr/>
-                </a:tc>
-                <a:tc>
-                  <a:txBody>
-                    <a:bodyPr/>
-                    <a:lstStyle/>
-                    <a:p>
-                      <a:r>
-                        <a:rPr lang="en-US" sz="1600" dirty="0" smtClean="0"/>
-                        <a:t>List&lt;string&gt;</a:t>
-                      </a:r>
-                      <a:endParaRPr lang="ru-RU" sz="1600" dirty="0"/>
-                    </a:p>
-                  </a:txBody>
-                  <a:tcPr/>
-                </a:tc>
-              </a:tr>
-              <a:tr h="359464">
-                <a:tc>
-                  <a:txBody>
-                    <a:bodyPr/>
-                    <a:lstStyle/>
-                    <a:p>
-                      <a:r>
-                        <a:rPr lang="en-US" sz="1600" dirty="0" smtClean="0"/>
-                        <a:t>private</a:t>
-                      </a:r>
-                      <a:endParaRPr lang="ru-RU" sz="1600" dirty="0"/>
-                    </a:p>
-                  </a:txBody>
-                  <a:tcPr/>
-                </a:tc>
-                <a:tc>
-                  <a:txBody>
-                    <a:bodyPr/>
-                    <a:lstStyle/>
-                    <a:p>
-                      <a:r>
-                        <a:rPr lang="en-US" sz="1600" dirty="0" smtClean="0"/>
-                        <a:t>times</a:t>
-                      </a:r>
-                      <a:endParaRPr lang="ru-RU" sz="1600" dirty="0"/>
-                    </a:p>
-                  </a:txBody>
-                  <a:tcPr/>
-                </a:tc>
-                <a:tc>
-                  <a:txBody>
-                    <a:bodyPr/>
-                    <a:lstStyle/>
-                    <a:p>
-                      <a:r>
-                        <a:rPr lang="ru-RU" sz="1600" dirty="0" smtClean="0"/>
-                        <a:t>список количества выигрышей</a:t>
-                      </a:r>
-                      <a:r>
-                        <a:rPr lang="en-US" sz="1600" dirty="0" smtClean="0"/>
-                        <a:t>/</a:t>
-                      </a:r>
-                      <a:r>
-                        <a:rPr lang="ru-RU" sz="1600" dirty="0" smtClean="0"/>
-                        <a:t>времени игры</a:t>
-                      </a:r>
-                      <a:endParaRPr lang="ru-RU" sz="1600" dirty="0"/>
-                    </a:p>
-                  </a:txBody>
-                  <a:tcPr/>
-                </a:tc>
-                <a:tc>
-                  <a:txBody>
-                    <a:bodyPr/>
-                    <a:lstStyle/>
-                    <a:p>
-                      <a:r>
-                        <a:rPr lang="en-US" sz="1600" dirty="0" smtClean="0"/>
-                        <a:t>List&lt;string&gt;</a:t>
+                        <a:rPr lang="en-US" sz="1600" dirty="0" err="1" smtClean="0"/>
+                        <a:t>minValue</a:t>
+                      </a:r>
+                      <a:endParaRPr lang="ru-RU" sz="1600" dirty="0"/>
+                    </a:p>
+                  </a:txBody>
+                  <a:tcPr/>
+                </a:tc>
+                <a:tc>
+                  <a:txBody>
+                    <a:bodyPr/>
+                    <a:lstStyle/>
+                    <a:p>
+                      <a:r>
+                        <a:rPr lang="ru-RU" sz="1600" baseline="0" dirty="0" smtClean="0"/>
+                        <a:t>номер минимальной карты</a:t>
+                      </a:r>
+                      <a:endParaRPr lang="ru-RU" sz="1600" dirty="0"/>
+                    </a:p>
+                  </a:txBody>
+                  <a:tcPr/>
+                </a:tc>
+                <a:tc>
+                  <a:txBody>
+                    <a:bodyPr/>
+                    <a:lstStyle/>
+                    <a:p>
+                      <a:r>
+                        <a:rPr lang="en-US" sz="1600" dirty="0" err="1" smtClean="0"/>
+                        <a:t>int</a:t>
                       </a:r>
                       <a:endParaRPr lang="ru-RU" sz="1600" dirty="0"/>
                     </a:p>
@@ -9113,14 +9051,14 @@
           <p:nvPr>
             <p:extLst>
               <p:ext uri="{D42A27DB-BD31-4B8C-83A1-F6EECF244321}">
-                <p14:modId xmlns:p14="http://schemas.microsoft.com/office/powerpoint/2010/main" val="2461952829"/>
+                <p14:modId xmlns:p14="http://schemas.microsoft.com/office/powerpoint/2010/main" val="3451430609"/>
               </p:ext>
             </p:extLst>
           </p:nvPr>
         </p:nvGraphicFramePr>
         <p:xfrm>
-          <a:off x="677334" y="3469799"/>
-          <a:ext cx="10021147" cy="2005517"/>
+          <a:off x="735523" y="3574472"/>
+          <a:ext cx="9173248" cy="1158240"/>
         </p:xfrm>
         <a:graphic>
           <a:graphicData uri="http://schemas.openxmlformats.org/drawingml/2006/table">
@@ -9129,13 +9067,13 @@
                 <a:tableStyleId>{5C22544A-7EE6-4342-B048-85BDC9FD1C3A}</a:tableStyleId>
               </a:tblPr>
               <a:tblGrid>
-                <a:gridCol w="1150212"/>
-                <a:gridCol w="1747260"/>
-                <a:gridCol w="2027314"/>
-                <a:gridCol w="3136544"/>
-                <a:gridCol w="1959817"/>
+                <a:gridCol w="1052891"/>
+                <a:gridCol w="1432197"/>
+                <a:gridCol w="1372968"/>
+                <a:gridCol w="2946065"/>
+                <a:gridCol w="2369127"/>
               </a:tblGrid>
-              <a:tr h="847277">
+              <a:tr h="177339">
                 <a:tc>
                   <a:txBody>
                     <a:bodyPr/>
@@ -9217,81 +9155,26 @@
                     <a:bodyPr/>
                     <a:lstStyle/>
                     <a:p>
+                      <a:pPr marL="0" marR="0" indent="0" algn="l" defTabSz="457200" rtl="0" eaLnBrk="1" fontAlgn="auto" latinLnBrk="0" hangingPunct="1">
+                        <a:lnSpc>
+                          <a:spcPct val="100000"/>
+                        </a:lnSpc>
+                        <a:spcBef>
+                          <a:spcPts val="0"/>
+                        </a:spcBef>
+                        <a:spcAft>
+                          <a:spcPts val="0"/>
+                        </a:spcAft>
+                        <a:buClrTx/>
+                        <a:buSzTx/>
+                        <a:buFontTx/>
+                        <a:buNone/>
+                        <a:tabLst/>
+                        <a:defRPr/>
+                      </a:pPr>
                       <a:r>
                         <a:rPr lang="en-US" sz="1600" dirty="0" smtClean="0"/>
-                        <a:t>public</a:t>
-                      </a:r>
-                      <a:endParaRPr lang="ru-RU" sz="1600" dirty="0"/>
-                    </a:p>
-                  </a:txBody>
-                  <a:tcPr/>
-                </a:tc>
-                <a:tc>
-                  <a:txBody>
-                    <a:bodyPr/>
-                    <a:lstStyle/>
-                    <a:p>
-                      <a:r>
-                        <a:rPr lang="en-US" sz="1600" dirty="0" smtClean="0"/>
-                        <a:t>Show</a:t>
-                      </a:r>
-                      <a:endParaRPr lang="ru-RU" sz="1600" dirty="0"/>
-                    </a:p>
-                  </a:txBody>
-                  <a:tcPr/>
-                </a:tc>
-                <a:tc>
-                  <a:txBody>
-                    <a:bodyPr/>
-                    <a:lstStyle/>
-                    <a:p>
-                      <a:r>
-                        <a:rPr lang="en-US" sz="1600" dirty="0" smtClean="0"/>
-                        <a:t>List&lt;string&gt; winners List&lt;string&gt; times</a:t>
-                      </a:r>
-                      <a:endParaRPr lang="ru-RU" sz="1600" dirty="0"/>
-                    </a:p>
-                  </a:txBody>
-                  <a:tcPr/>
-                </a:tc>
-                <a:tc>
-                  <a:txBody>
-                    <a:bodyPr/>
-                    <a:lstStyle/>
-                    <a:p>
-                      <a:r>
-                        <a:rPr lang="ru-RU" sz="1600" dirty="0" smtClean="0"/>
-                        <a:t>выводит таблицу рекордов в консоль</a:t>
-                      </a:r>
-                      <a:endParaRPr lang="ru-RU" sz="1600" dirty="0"/>
-                    </a:p>
-                  </a:txBody>
-                  <a:tcPr/>
-                </a:tc>
-                <a:tc>
-                  <a:txBody>
-                    <a:bodyPr/>
-                    <a:lstStyle/>
-                    <a:p>
-                      <a:r>
-                        <a:rPr lang="ru-RU" sz="1600" dirty="0" smtClean="0"/>
-                        <a:t> - </a:t>
-                      </a:r>
-                      <a:endParaRPr lang="ru-RU" sz="1600" dirty="0"/>
-                    </a:p>
-                  </a:txBody>
-                  <a:tcPr/>
-                </a:tc>
-              </a:tr>
-              <a:tr h="370840">
-                <a:tc>
-                  <a:txBody>
-                    <a:bodyPr/>
-                    <a:lstStyle/>
-                    <a:p>
-                      <a:r>
-                        <a:rPr lang="en-US" sz="1600" dirty="0" smtClean="0"/>
-                        <a:t>public</a:t>
+                        <a:t>private</a:t>
                       </a:r>
                       <a:endParaRPr lang="ru-RU" sz="1600" dirty="0"/>
                     </a:p>
@@ -9305,42 +9188,46 @@
                     <a:p>
                       <a:r>
                         <a:rPr lang="en-US" sz="1600" dirty="0" err="1" smtClean="0"/>
-                        <a:t>WriteToFile</a:t>
-                      </a:r>
-                      <a:endParaRPr lang="ru-RU" sz="1600" dirty="0"/>
-                    </a:p>
-                  </a:txBody>
-                  <a:tcPr/>
-                </a:tc>
-                <a:tc>
-                  <a:txBody>
-                    <a:bodyPr/>
-                    <a:lstStyle/>
-                    <a:p>
-                      <a:r>
-                        <a:rPr lang="en-US" sz="1600" dirty="0" smtClean="0"/>
-                        <a:t>List&lt;string&gt; winners</a:t>
-                      </a:r>
-                      <a:endParaRPr lang="ru-RU" sz="1600" dirty="0" smtClean="0"/>
-                    </a:p>
-                    <a:p>
-                      <a:r>
-                        <a:rPr lang="en-US" sz="1600" dirty="0" smtClean="0"/>
-                        <a:t>List&lt;string&gt; times</a:t>
-                      </a:r>
-                      <a:endParaRPr lang="ru-RU" sz="1600" dirty="0"/>
-                    </a:p>
-                  </a:txBody>
-                  <a:tcPr/>
-                </a:tc>
-                <a:tc>
-                  <a:txBody>
-                    <a:bodyPr/>
-                    <a:lstStyle/>
-                    <a:p>
-                      <a:r>
-                        <a:rPr lang="ru-RU" sz="1600" dirty="0" smtClean="0"/>
-                        <a:t>записывает таблицу в файл </a:t>
+                        <a:t>MakeDecision</a:t>
+                      </a:r>
+                      <a:endParaRPr lang="ru-RU" sz="1600" dirty="0"/>
+                    </a:p>
+                  </a:txBody>
+                  <a:tcPr/>
+                </a:tc>
+                <a:tc>
+                  <a:txBody>
+                    <a:bodyPr/>
+                    <a:lstStyle/>
+                    <a:p>
+                      <a:pPr marL="0" marR="0" indent="0" algn="l" defTabSz="457200" rtl="0" eaLnBrk="1" fontAlgn="auto" latinLnBrk="0" hangingPunct="1">
+                        <a:lnSpc>
+                          <a:spcPct val="100000"/>
+                        </a:lnSpc>
+                        <a:spcBef>
+                          <a:spcPts val="0"/>
+                        </a:spcBef>
+                        <a:spcAft>
+                          <a:spcPts val="0"/>
+                        </a:spcAft>
+                        <a:buClrTx/>
+                        <a:buSzTx/>
+                        <a:buFontTx/>
+                        <a:buNone/>
+                        <a:tabLst/>
+                        <a:defRPr/>
+                      </a:pPr>
+                      <a:r>
+                        <a:rPr lang="en-US" sz="1600" dirty="0" err="1" smtClean="0"/>
+                        <a:t>int</a:t>
+                      </a:r>
+                      <a:r>
+                        <a:rPr lang="en-US" sz="1600" baseline="0" dirty="0" smtClean="0"/>
+                        <a:t> </a:t>
+                      </a:r>
+                      <a:r>
+                        <a:rPr lang="en-US" sz="1600" baseline="0" dirty="0" err="1" smtClean="0"/>
+                        <a:t>minValue</a:t>
                       </a:r>
                       <a:endParaRPr lang="ru-RU" sz="1600" dirty="0"/>
                     </a:p>
@@ -9353,19 +9240,30 @@
                     <a:lstStyle/>
                     <a:p>
                       <a:pPr>
-                        <a:spcBef>
-                          <a:spcPts val="600"/>
-                        </a:spcBef>
                         <a:buFont typeface="Courier New" panose="02070309020205020404" pitchFamily="49" charset="0"/>
                         <a:buNone/>
                       </a:pPr>
                       <a:r>
                         <a:rPr lang="ru-RU" sz="1600" dirty="0" smtClean="0"/>
+                        <a:t>метод принятия решения для хода на основе расчетов</a:t>
+                      </a:r>
+                      <a:r>
+                        <a:rPr lang="en-US" sz="1600" dirty="0" smtClean="0"/>
+                        <a:t> </a:t>
+                      </a:r>
+                    </a:p>
+                  </a:txBody>
+                  <a:tcPr/>
+                </a:tc>
+                <a:tc>
+                  <a:txBody>
+                    <a:bodyPr/>
+                    <a:lstStyle/>
+                    <a:p>
+                      <a:r>
+                        <a:rPr lang="ru-RU" sz="1600" dirty="0" smtClean="0"/>
                         <a:t> - </a:t>
                       </a:r>
-                      <a:endParaRPr lang="en-US" sz="1600" dirty="0" smtClean="0"/>
-                    </a:p>
-                    <a:p>
                       <a:endParaRPr lang="ru-RU" sz="1600" dirty="0"/>
                     </a:p>
                   </a:txBody>
@@ -9379,7 +9277,7 @@
     </p:spTree>
     <p:extLst>
       <p:ext uri="{BB962C8B-B14F-4D97-AF65-F5344CB8AC3E}">
-        <p14:creationId xmlns:p14="http://schemas.microsoft.com/office/powerpoint/2010/main" val="2876585287"/>
+        <p14:creationId xmlns:p14="http://schemas.microsoft.com/office/powerpoint/2010/main" val="2101156913"/>
       </p:ext>
     </p:extLst>
   </p:cSld>
@@ -9418,6 +9316,646 @@
         </p:nvSpPr>
         <p:spPr>
           <a:xfrm>
+            <a:off x="677334" y="202275"/>
+            <a:ext cx="3811539" cy="720436"/>
+          </a:xfrm>
+        </p:spPr>
+        <p:txBody>
+          <a:bodyPr/>
+          <a:lstStyle/>
+          <a:p>
+            <a:r>
+              <a:rPr lang="ru-RU" dirty="0" smtClean="0"/>
+              <a:t>Класс </a:t>
+            </a:r>
+            <a:r>
+              <a:rPr lang="en-US" dirty="0" err="1" smtClean="0"/>
+              <a:t>ScoreTable</a:t>
+            </a:r>
+            <a:endParaRPr lang="ru-RU" dirty="0"/>
+          </a:p>
+        </p:txBody>
+      </p:sp>
+      <p:sp>
+        <p:nvSpPr>
+          <p:cNvPr id="3" name="Объект 2"/>
+          <p:cNvSpPr>
+            <a:spLocks noGrp="1"/>
+          </p:cNvSpPr>
+          <p:nvPr>
+            <p:ph idx="1"/>
+          </p:nvPr>
+        </p:nvSpPr>
+        <p:spPr>
+          <a:xfrm>
+            <a:off x="677334" y="1030776"/>
+            <a:ext cx="9763451" cy="5212081"/>
+          </a:xfrm>
+        </p:spPr>
+        <p:txBody>
+          <a:bodyPr/>
+          <a:lstStyle/>
+          <a:p>
+            <a:pPr marL="0" indent="0">
+              <a:buNone/>
+            </a:pPr>
+            <a:r>
+              <a:rPr lang="ru-RU" dirty="0" smtClean="0"/>
+              <a:t>Реализует поведение таблиц</a:t>
+            </a:r>
+            <a:r>
+              <a:rPr lang="ru-RU" dirty="0"/>
+              <a:t>ы</a:t>
+            </a:r>
+            <a:r>
+              <a:rPr lang="ru-RU" dirty="0" smtClean="0"/>
+              <a:t> рекордов</a:t>
+            </a:r>
+          </a:p>
+          <a:p>
+            <a:pPr marL="0" indent="0">
+              <a:buNone/>
+            </a:pPr>
+            <a:r>
+              <a:rPr lang="ru-RU" dirty="0" smtClean="0"/>
+              <a:t>Поля</a:t>
+            </a:r>
+            <a:r>
+              <a:rPr lang="en-US" dirty="0" smtClean="0"/>
+              <a:t>:</a:t>
+            </a:r>
+          </a:p>
+          <a:p>
+            <a:pPr marL="0" indent="0">
+              <a:buNone/>
+            </a:pPr>
+            <a:endParaRPr lang="ru-RU" dirty="0" smtClean="0"/>
+          </a:p>
+          <a:p>
+            <a:pPr marL="0" indent="0">
+              <a:buNone/>
+            </a:pPr>
+            <a:endParaRPr lang="ru-RU" dirty="0"/>
+          </a:p>
+          <a:p>
+            <a:pPr marL="0" indent="0">
+              <a:buNone/>
+            </a:pPr>
+            <a:endParaRPr lang="ru-RU" dirty="0" smtClean="0"/>
+          </a:p>
+          <a:p>
+            <a:pPr marL="0" indent="0">
+              <a:buNone/>
+            </a:pPr>
+            <a:r>
+              <a:rPr lang="ru-RU" dirty="0" smtClean="0"/>
+              <a:t>Методы</a:t>
+            </a:r>
+            <a:r>
+              <a:rPr lang="en-US" dirty="0" smtClean="0"/>
+              <a:t>:</a:t>
+            </a:r>
+          </a:p>
+        </p:txBody>
+      </p:sp>
+      <p:graphicFrame>
+        <p:nvGraphicFramePr>
+          <p:cNvPr id="4" name="Таблица 3"/>
+          <p:cNvGraphicFramePr>
+            <a:graphicFrameLocks noGrp="1"/>
+          </p:cNvGraphicFramePr>
+          <p:nvPr>
+            <p:extLst>
+              <p:ext uri="{D42A27DB-BD31-4B8C-83A1-F6EECF244321}">
+                <p14:modId xmlns:p14="http://schemas.microsoft.com/office/powerpoint/2010/main" val="2940447475"/>
+              </p:ext>
+            </p:extLst>
+          </p:nvPr>
+        </p:nvGraphicFramePr>
+        <p:xfrm>
+          <a:off x="677334" y="1791394"/>
+          <a:ext cx="8509231" cy="1275372"/>
+        </p:xfrm>
+        <a:graphic>
+          <a:graphicData uri="http://schemas.openxmlformats.org/drawingml/2006/table">
+            <a:tbl>
+              <a:tblPr firstRow="1" bandRow="1">
+                <a:tableStyleId>{5C22544A-7EE6-4342-B048-85BDC9FD1C3A}</a:tableStyleId>
+              </a:tblPr>
+              <a:tblGrid>
+                <a:gridCol w="1616988"/>
+                <a:gridCol w="1418560"/>
+                <a:gridCol w="3231400"/>
+                <a:gridCol w="2242283"/>
+              </a:tblGrid>
+              <a:tr h="360972">
+                <a:tc>
+                  <a:txBody>
+                    <a:bodyPr/>
+                    <a:lstStyle/>
+                    <a:p>
+                      <a:r>
+                        <a:rPr lang="ru-RU" sz="1600" dirty="0" smtClean="0"/>
+                        <a:t>Тип</a:t>
+                      </a:r>
+                      <a:r>
+                        <a:rPr lang="ru-RU" sz="1600" baseline="0" dirty="0" smtClean="0"/>
+                        <a:t> доступа</a:t>
+                      </a:r>
+                      <a:endParaRPr lang="ru-RU" sz="1600" dirty="0"/>
+                    </a:p>
+                  </a:txBody>
+                  <a:tcPr/>
+                </a:tc>
+                <a:tc>
+                  <a:txBody>
+                    <a:bodyPr/>
+                    <a:lstStyle/>
+                    <a:p>
+                      <a:r>
+                        <a:rPr lang="ru-RU" sz="1600" dirty="0" smtClean="0"/>
+                        <a:t>Имя</a:t>
+                      </a:r>
+                      <a:endParaRPr lang="ru-RU" sz="1600" dirty="0"/>
+                    </a:p>
+                  </a:txBody>
+                  <a:tcPr/>
+                </a:tc>
+                <a:tc>
+                  <a:txBody>
+                    <a:bodyPr/>
+                    <a:lstStyle/>
+                    <a:p>
+                      <a:r>
+                        <a:rPr lang="ru-RU" sz="1600" dirty="0" smtClean="0"/>
+                        <a:t>Описание</a:t>
+                      </a:r>
+                      <a:endParaRPr lang="ru-RU" sz="1600" dirty="0"/>
+                    </a:p>
+                  </a:txBody>
+                  <a:tcPr/>
+                </a:tc>
+                <a:tc>
+                  <a:txBody>
+                    <a:bodyPr/>
+                    <a:lstStyle/>
+                    <a:p>
+                      <a:r>
+                        <a:rPr lang="ru-RU" sz="1600" dirty="0" smtClean="0"/>
+                        <a:t>Тип значения</a:t>
+                      </a:r>
+                      <a:endParaRPr lang="ru-RU" sz="1600" dirty="0"/>
+                    </a:p>
+                  </a:txBody>
+                  <a:tcPr/>
+                </a:tc>
+              </a:tr>
+              <a:tr h="318763">
+                <a:tc>
+                  <a:txBody>
+                    <a:bodyPr/>
+                    <a:lstStyle/>
+                    <a:p>
+                      <a:r>
+                        <a:rPr lang="en-US" sz="1600" dirty="0" smtClean="0"/>
+                        <a:t>private</a:t>
+                      </a:r>
+                      <a:endParaRPr lang="ru-RU" sz="1600" dirty="0"/>
+                    </a:p>
+                  </a:txBody>
+                  <a:tcPr/>
+                </a:tc>
+                <a:tc>
+                  <a:txBody>
+                    <a:bodyPr/>
+                    <a:lstStyle/>
+                    <a:p>
+                      <a:r>
+                        <a:rPr lang="en-US" sz="1600" dirty="0" smtClean="0"/>
+                        <a:t>winners</a:t>
+                      </a:r>
+                      <a:endParaRPr lang="ru-RU" sz="1600" dirty="0"/>
+                    </a:p>
+                  </a:txBody>
+                  <a:tcPr/>
+                </a:tc>
+                <a:tc>
+                  <a:txBody>
+                    <a:bodyPr/>
+                    <a:lstStyle/>
+                    <a:p>
+                      <a:r>
+                        <a:rPr lang="ru-RU" sz="1600" dirty="0" smtClean="0"/>
+                        <a:t>список имен победителей</a:t>
+                      </a:r>
+                      <a:r>
+                        <a:rPr lang="en-US" sz="1600" dirty="0" smtClean="0"/>
+                        <a:t> </a:t>
+                      </a:r>
+                      <a:endParaRPr lang="ru-RU" sz="1600" dirty="0"/>
+                    </a:p>
+                  </a:txBody>
+                  <a:tcPr/>
+                </a:tc>
+                <a:tc>
+                  <a:txBody>
+                    <a:bodyPr/>
+                    <a:lstStyle/>
+                    <a:p>
+                      <a:r>
+                        <a:rPr lang="en-US" sz="1600" dirty="0" smtClean="0"/>
+                        <a:t>List&lt;string&gt;</a:t>
+                      </a:r>
+                      <a:endParaRPr lang="ru-RU" sz="1600" dirty="0"/>
+                    </a:p>
+                  </a:txBody>
+                  <a:tcPr/>
+                </a:tc>
+              </a:tr>
+              <a:tr h="359464">
+                <a:tc>
+                  <a:txBody>
+                    <a:bodyPr/>
+                    <a:lstStyle/>
+                    <a:p>
+                      <a:r>
+                        <a:rPr lang="en-US" sz="1600" dirty="0" smtClean="0"/>
+                        <a:t>private</a:t>
+                      </a:r>
+                      <a:endParaRPr lang="ru-RU" sz="1600" dirty="0"/>
+                    </a:p>
+                  </a:txBody>
+                  <a:tcPr/>
+                </a:tc>
+                <a:tc>
+                  <a:txBody>
+                    <a:bodyPr/>
+                    <a:lstStyle/>
+                    <a:p>
+                      <a:r>
+                        <a:rPr lang="en-US" sz="1600" dirty="0" smtClean="0"/>
+                        <a:t>times</a:t>
+                      </a:r>
+                      <a:endParaRPr lang="ru-RU" sz="1600" dirty="0"/>
+                    </a:p>
+                  </a:txBody>
+                  <a:tcPr/>
+                </a:tc>
+                <a:tc>
+                  <a:txBody>
+                    <a:bodyPr/>
+                    <a:lstStyle/>
+                    <a:p>
+                      <a:r>
+                        <a:rPr lang="ru-RU" sz="1600" dirty="0" smtClean="0"/>
+                        <a:t>список количества выигрышей</a:t>
+                      </a:r>
+                      <a:r>
+                        <a:rPr lang="en-US" sz="1600" dirty="0" smtClean="0"/>
+                        <a:t>/</a:t>
+                      </a:r>
+                      <a:r>
+                        <a:rPr lang="ru-RU" sz="1600" dirty="0" smtClean="0"/>
+                        <a:t>времени игры</a:t>
+                      </a:r>
+                      <a:endParaRPr lang="ru-RU" sz="1600" dirty="0"/>
+                    </a:p>
+                  </a:txBody>
+                  <a:tcPr/>
+                </a:tc>
+                <a:tc>
+                  <a:txBody>
+                    <a:bodyPr/>
+                    <a:lstStyle/>
+                    <a:p>
+                      <a:r>
+                        <a:rPr lang="en-US" sz="1600" dirty="0" smtClean="0"/>
+                        <a:t>List&lt;string&gt;</a:t>
+                      </a:r>
+                      <a:endParaRPr lang="ru-RU" sz="1600" dirty="0"/>
+                    </a:p>
+                  </a:txBody>
+                  <a:tcPr/>
+                </a:tc>
+              </a:tr>
+            </a:tbl>
+          </a:graphicData>
+        </a:graphic>
+      </p:graphicFrame>
+      <p:graphicFrame>
+        <p:nvGraphicFramePr>
+          <p:cNvPr id="5" name="Таблица 4"/>
+          <p:cNvGraphicFramePr>
+            <a:graphicFrameLocks noGrp="1"/>
+          </p:cNvGraphicFramePr>
+          <p:nvPr>
+            <p:extLst>
+              <p:ext uri="{D42A27DB-BD31-4B8C-83A1-F6EECF244321}">
+                <p14:modId xmlns:p14="http://schemas.microsoft.com/office/powerpoint/2010/main" val="2461952829"/>
+              </p:ext>
+            </p:extLst>
+          </p:nvPr>
+        </p:nvGraphicFramePr>
+        <p:xfrm>
+          <a:off x="677334" y="3469799"/>
+          <a:ext cx="10021147" cy="2005517"/>
+        </p:xfrm>
+        <a:graphic>
+          <a:graphicData uri="http://schemas.openxmlformats.org/drawingml/2006/table">
+            <a:tbl>
+              <a:tblPr firstRow="1" bandRow="1">
+                <a:tableStyleId>{5C22544A-7EE6-4342-B048-85BDC9FD1C3A}</a:tableStyleId>
+              </a:tblPr>
+              <a:tblGrid>
+                <a:gridCol w="1150212"/>
+                <a:gridCol w="1747260"/>
+                <a:gridCol w="2027314"/>
+                <a:gridCol w="3136544"/>
+                <a:gridCol w="1959817"/>
+              </a:tblGrid>
+              <a:tr h="847277">
+                <a:tc>
+                  <a:txBody>
+                    <a:bodyPr/>
+                    <a:lstStyle/>
+                    <a:p>
+                      <a:r>
+                        <a:rPr lang="ru-RU" sz="1600" dirty="0" smtClean="0"/>
+                        <a:t>Тип</a:t>
+                      </a:r>
+                      <a:r>
+                        <a:rPr lang="ru-RU" sz="1600" baseline="0" dirty="0" smtClean="0"/>
+                        <a:t> доступа</a:t>
+                      </a:r>
+                      <a:endParaRPr lang="ru-RU" sz="1600" dirty="0"/>
+                    </a:p>
+                  </a:txBody>
+                  <a:tcPr/>
+                </a:tc>
+                <a:tc>
+                  <a:txBody>
+                    <a:bodyPr/>
+                    <a:lstStyle/>
+                    <a:p>
+                      <a:r>
+                        <a:rPr lang="ru-RU" sz="1600" dirty="0" smtClean="0"/>
+                        <a:t>Имя</a:t>
+                      </a:r>
+                      <a:endParaRPr lang="ru-RU" sz="1600" dirty="0"/>
+                    </a:p>
+                  </a:txBody>
+                  <a:tcPr/>
+                </a:tc>
+                <a:tc>
+                  <a:txBody>
+                    <a:bodyPr/>
+                    <a:lstStyle/>
+                    <a:p>
+                      <a:r>
+                        <a:rPr lang="ru-RU" sz="1600" dirty="0" smtClean="0"/>
+                        <a:t>Параметры</a:t>
+                      </a:r>
+                      <a:endParaRPr lang="ru-RU" sz="1600" dirty="0"/>
+                    </a:p>
+                  </a:txBody>
+                  <a:tcPr/>
+                </a:tc>
+                <a:tc>
+                  <a:txBody>
+                    <a:bodyPr/>
+                    <a:lstStyle/>
+                    <a:p>
+                      <a:r>
+                        <a:rPr lang="ru-RU" sz="1600" dirty="0" smtClean="0"/>
+                        <a:t>Описание</a:t>
+                      </a:r>
+                      <a:endParaRPr lang="ru-RU" sz="1600" dirty="0"/>
+                    </a:p>
+                  </a:txBody>
+                  <a:tcPr/>
+                </a:tc>
+                <a:tc>
+                  <a:txBody>
+                    <a:bodyPr/>
+                    <a:lstStyle/>
+                    <a:p>
+                      <a:r>
+                        <a:rPr lang="ru-RU" sz="1600" dirty="0" smtClean="0"/>
+                        <a:t>Тип возвращаемого значения</a:t>
+                      </a:r>
+                      <a:endParaRPr lang="ru-RU" sz="1600" dirty="0"/>
+                    </a:p>
+                  </a:txBody>
+                  <a:tcPr/>
+                </a:tc>
+              </a:tr>
+              <a:tr h="370840">
+                <a:tc>
+                  <a:txBody>
+                    <a:bodyPr/>
+                    <a:lstStyle/>
+                    <a:p>
+                      <a:r>
+                        <a:rPr lang="en-US" sz="1600" dirty="0" smtClean="0"/>
+                        <a:t>public</a:t>
+                      </a:r>
+                      <a:endParaRPr lang="ru-RU" sz="1600" dirty="0"/>
+                    </a:p>
+                  </a:txBody>
+                  <a:tcPr/>
+                </a:tc>
+                <a:tc>
+                  <a:txBody>
+                    <a:bodyPr/>
+                    <a:lstStyle/>
+                    <a:p>
+                      <a:r>
+                        <a:rPr lang="en-US" sz="1600" dirty="0" smtClean="0"/>
+                        <a:t>Show</a:t>
+                      </a:r>
+                      <a:endParaRPr lang="ru-RU" sz="1600" dirty="0"/>
+                    </a:p>
+                  </a:txBody>
+                  <a:tcPr/>
+                </a:tc>
+                <a:tc>
+                  <a:txBody>
+                    <a:bodyPr/>
+                    <a:lstStyle/>
+                    <a:p>
+                      <a:r>
+                        <a:rPr lang="en-US" sz="1600" dirty="0" smtClean="0"/>
+                        <a:t>List&lt;string&gt; winners List&lt;string&gt; times</a:t>
+                      </a:r>
+                      <a:endParaRPr lang="ru-RU" sz="1600" dirty="0"/>
+                    </a:p>
+                  </a:txBody>
+                  <a:tcPr/>
+                </a:tc>
+                <a:tc>
+                  <a:txBody>
+                    <a:bodyPr/>
+                    <a:lstStyle/>
+                    <a:p>
+                      <a:r>
+                        <a:rPr lang="ru-RU" sz="1600" dirty="0" smtClean="0"/>
+                        <a:t>выводит таблицу рекордов в консоль</a:t>
+                      </a:r>
+                      <a:endParaRPr lang="ru-RU" sz="1600" dirty="0"/>
+                    </a:p>
+                  </a:txBody>
+                  <a:tcPr/>
+                </a:tc>
+                <a:tc>
+                  <a:txBody>
+                    <a:bodyPr/>
+                    <a:lstStyle/>
+                    <a:p>
+                      <a:r>
+                        <a:rPr lang="ru-RU" sz="1600" dirty="0" smtClean="0"/>
+                        <a:t> - </a:t>
+                      </a:r>
+                      <a:endParaRPr lang="ru-RU" sz="1600" dirty="0"/>
+                    </a:p>
+                  </a:txBody>
+                  <a:tcPr/>
+                </a:tc>
+              </a:tr>
+              <a:tr h="370840">
+                <a:tc>
+                  <a:txBody>
+                    <a:bodyPr/>
+                    <a:lstStyle/>
+                    <a:p>
+                      <a:r>
+                        <a:rPr lang="en-US" sz="1600" dirty="0" smtClean="0"/>
+                        <a:t>public</a:t>
+                      </a:r>
+                      <a:endParaRPr lang="ru-RU" sz="1600" dirty="0"/>
+                    </a:p>
+                  </a:txBody>
+                  <a:tcPr/>
+                </a:tc>
+                <a:tc>
+                  <a:txBody>
+                    <a:bodyPr/>
+                    <a:lstStyle/>
+                    <a:p>
+                      <a:r>
+                        <a:rPr lang="en-US" sz="1600" dirty="0" err="1" smtClean="0"/>
+                        <a:t>WriteToFile</a:t>
+                      </a:r>
+                      <a:endParaRPr lang="ru-RU" sz="1600" dirty="0"/>
+                    </a:p>
+                  </a:txBody>
+                  <a:tcPr/>
+                </a:tc>
+                <a:tc>
+                  <a:txBody>
+                    <a:bodyPr/>
+                    <a:lstStyle/>
+                    <a:p>
+                      <a:r>
+                        <a:rPr lang="en-US" sz="1600" dirty="0" smtClean="0"/>
+                        <a:t>List&lt;string&gt; winners</a:t>
+                      </a:r>
+                      <a:endParaRPr lang="ru-RU" sz="1600" dirty="0" smtClean="0"/>
+                    </a:p>
+                    <a:p>
+                      <a:r>
+                        <a:rPr lang="en-US" sz="1600" dirty="0" smtClean="0"/>
+                        <a:t>List&lt;string&gt; times</a:t>
+                      </a:r>
+                      <a:endParaRPr lang="ru-RU" sz="1600" dirty="0"/>
+                    </a:p>
+                  </a:txBody>
+                  <a:tcPr/>
+                </a:tc>
+                <a:tc>
+                  <a:txBody>
+                    <a:bodyPr/>
+                    <a:lstStyle/>
+                    <a:p>
+                      <a:r>
+                        <a:rPr lang="ru-RU" sz="1600" dirty="0" smtClean="0"/>
+                        <a:t>записывает таблицу в файл </a:t>
+                      </a:r>
+                      <a:endParaRPr lang="ru-RU" sz="1600" dirty="0"/>
+                    </a:p>
+                  </a:txBody>
+                  <a:tcPr/>
+                </a:tc>
+                <a:tc>
+                  <a:txBody>
+                    <a:bodyPr/>
+                    <a:lstStyle/>
+                    <a:p>
+                      <a:pPr>
+                        <a:spcBef>
+                          <a:spcPts val="600"/>
+                        </a:spcBef>
+                        <a:buFont typeface="Courier New" panose="02070309020205020404" pitchFamily="49" charset="0"/>
+                        <a:buNone/>
+                      </a:pPr>
+                      <a:r>
+                        <a:rPr lang="ru-RU" sz="1600" dirty="0" smtClean="0"/>
+                        <a:t> - </a:t>
+                      </a:r>
+                      <a:endParaRPr lang="en-US" sz="1600" dirty="0" smtClean="0"/>
+                    </a:p>
+                    <a:p>
+                      <a:endParaRPr lang="ru-RU" sz="1600" dirty="0"/>
+                    </a:p>
+                  </a:txBody>
+                  <a:tcPr/>
+                </a:tc>
+              </a:tr>
+            </a:tbl>
+          </a:graphicData>
+        </a:graphic>
+      </p:graphicFrame>
+    </p:spTree>
+    <p:extLst>
+      <p:ext uri="{BB962C8B-B14F-4D97-AF65-F5344CB8AC3E}">
+        <p14:creationId xmlns:p14="http://schemas.microsoft.com/office/powerpoint/2010/main" val="2876585287"/>
+      </p:ext>
+    </p:extLst>
+  </p:cSld>
+  <p:clrMapOvr>
+    <a:masterClrMapping/>
+  </p:clrMapOvr>
+</p:sld>
+</file>
+
+<file path=ppt/slides/slide16.xml><?xml version="1.0" encoding="utf-8"?>
+<p:sld xmlns:a="http://schemas.openxmlformats.org/drawingml/2006/main" xmlns:r="http://schemas.openxmlformats.org/officeDocument/2006/relationships" xmlns:p="http://schemas.openxmlformats.org/presentationml/2006/main">
+  <p:cSld>
+    <p:spTree>
+      <p:nvGrpSpPr>
+        <p:cNvPr id="1" name=""/>
+        <p:cNvGrpSpPr/>
+        <p:nvPr/>
+      </p:nvGrpSpPr>
+      <p:grpSpPr>
+        <a:xfrm>
+          <a:off x="0" y="0"/>
+          <a:ext cx="0" cy="0"/>
+          <a:chOff x="0" y="0"/>
+          <a:chExt cx="0" cy="0"/>
+        </a:xfrm>
+      </p:grpSpPr>
+      <p:sp>
+        <p:nvSpPr>
+          <p:cNvPr id="2" name="Заголовок 1"/>
+          <p:cNvSpPr>
+            <a:spLocks noGrp="1"/>
+          </p:cNvSpPr>
+          <p:nvPr>
+            <p:ph type="title"/>
+          </p:nvPr>
+        </p:nvSpPr>
+        <p:spPr>
+          <a:xfrm>
             <a:off x="511079" y="210589"/>
             <a:ext cx="4684375" cy="612371"/>
           </a:xfrm>
@@ -10097,7 +10635,7 @@
 </p:sld>
 </file>
 
-<file path=ppt/slides/slide16.xml><?xml version="1.0" encoding="utf-8"?>
+<file path=ppt/slides/slide17.xml><?xml version="1.0" encoding="utf-8"?>
 <p:sld xmlns:a="http://schemas.openxmlformats.org/drawingml/2006/main" xmlns:r="http://schemas.openxmlformats.org/officeDocument/2006/relationships" xmlns:p="http://schemas.openxmlformats.org/presentationml/2006/main">
   <p:cSld>
     <p:spTree>
@@ -10977,7 +11515,7 @@
       </p:grpSpPr>
       <p:pic>
         <p:nvPicPr>
-          <p:cNvPr id="7" name="Рисунок 6"/>
+          <p:cNvPr id="2" name="Рисунок 1"/>
           <p:cNvPicPr>
             <a:picLocks noChangeAspect="1"/>
           </p:cNvPicPr>
@@ -10997,8 +11535,8 @@
         </p:blipFill>
         <p:spPr>
           <a:xfrm>
-            <a:off x="340558" y="232756"/>
-            <a:ext cx="9659654" cy="6538949"/>
+            <a:off x="900055" y="290945"/>
+            <a:ext cx="9375448" cy="6051666"/>
           </a:xfrm>
           <a:prstGeom prst="rect">
             <a:avLst/>

--- a/Docs/Учебный проект по ООП.pptx
+++ b/Docs/Учебный проект по ООП.pptx
@@ -11515,7 +11515,7 @@
       </p:grpSpPr>
       <p:pic>
         <p:nvPicPr>
-          <p:cNvPr id="2" name="Рисунок 1"/>
+          <p:cNvPr id="3" name="Рисунок 2"/>
           <p:cNvPicPr>
             <a:picLocks noChangeAspect="1"/>
           </p:cNvPicPr>
@@ -11535,8 +11535,8 @@
         </p:blipFill>
         <p:spPr>
           <a:xfrm>
-            <a:off x="900055" y="290945"/>
-            <a:ext cx="9375448" cy="6051666"/>
+            <a:off x="476105" y="133002"/>
+            <a:ext cx="9723611" cy="6276398"/>
           </a:xfrm>
           <a:prstGeom prst="rect">
             <a:avLst/>
@@ -12139,7 +12139,7 @@
           <p:nvPr>
             <p:extLst>
               <p:ext uri="{D42A27DB-BD31-4B8C-83A1-F6EECF244321}">
-                <p14:modId xmlns:p14="http://schemas.microsoft.com/office/powerpoint/2010/main" val="4088685700"/>
+                <p14:modId xmlns:p14="http://schemas.microsoft.com/office/powerpoint/2010/main" val="7977790"/>
               </p:ext>
             </p:extLst>
           </p:nvPr>
@@ -12230,7 +12230,11 @@
                     <a:p>
                       <a:r>
                         <a:rPr lang="en-US" sz="1600" dirty="0" smtClean="0"/>
-                        <a:t>private</a:t>
+                        <a:t>public </a:t>
+                      </a:r>
+                      <a:r>
+                        <a:rPr lang="en-US" sz="1600" dirty="0" err="1" smtClean="0"/>
+                        <a:t>readonly</a:t>
                       </a:r>
                       <a:endParaRPr lang="ru-RU" sz="1600" dirty="0"/>
                     </a:p>
@@ -12288,7 +12292,15 @@
                     <a:p>
                       <a:r>
                         <a:rPr lang="en-US" sz="1600" dirty="0" smtClean="0"/>
-                        <a:t>private</a:t>
+                        <a:t>public</a:t>
+                      </a:r>
+                      <a:r>
+                        <a:rPr lang="en-US" sz="1600" baseline="0" dirty="0" smtClean="0"/>
+                        <a:t> </a:t>
+                      </a:r>
+                      <a:r>
+                        <a:rPr lang="en-US" sz="1600" baseline="0" dirty="0" err="1" smtClean="0"/>
+                        <a:t>readonly</a:t>
                       </a:r>
                       <a:endParaRPr lang="ru-RU" sz="1600" dirty="0"/>
                     </a:p>
@@ -12447,14 +12459,14 @@
           <p:nvPr>
             <p:extLst>
               <p:ext uri="{D42A27DB-BD31-4B8C-83A1-F6EECF244321}">
-                <p14:modId xmlns:p14="http://schemas.microsoft.com/office/powerpoint/2010/main" val="4040249732"/>
+                <p14:modId xmlns:p14="http://schemas.microsoft.com/office/powerpoint/2010/main" val="2343760318"/>
               </p:ext>
             </p:extLst>
           </p:nvPr>
         </p:nvGraphicFramePr>
         <p:xfrm>
           <a:off x="733174" y="4206240"/>
-          <a:ext cx="10788266" cy="2249357"/>
+          <a:ext cx="10788266" cy="2168077"/>
         </p:xfrm>
         <a:graphic>
           <a:graphicData uri="http://schemas.openxmlformats.org/drawingml/2006/table">
@@ -12567,11 +12579,7 @@
                     <a:p>
                       <a:r>
                         <a:rPr lang="en-US" sz="1600" dirty="0" err="1" smtClean="0"/>
-                        <a:t>GetCard</a:t>
-                      </a:r>
-                      <a:r>
-                        <a:rPr lang="en-US" sz="1600" dirty="0" smtClean="0"/>
-                        <a:t>() </a:t>
+                        <a:t>GetCardSuit</a:t>
                       </a:r>
                       <a:endParaRPr lang="ru-RU" sz="1600" dirty="0"/>
                     </a:p>
@@ -12603,19 +12611,91 @@
                       </a:pPr>
                       <a:r>
                         <a:rPr lang="ru-RU" sz="1600" dirty="0" smtClean="0"/>
-                        <a:t>возвращает информацию о карте (вместо можно попробовать перегрузить оператор </a:t>
-                      </a:r>
+                        <a:t>возвращает информацию </a:t>
+                      </a:r>
+                      <a:r>
+                        <a:rPr lang="ru-RU" sz="1600" dirty="0" smtClean="0"/>
+                        <a:t>масти</a:t>
+                      </a:r>
+                      <a:endParaRPr lang="en-US" sz="1600" dirty="0" smtClean="0"/>
+                    </a:p>
+                  </a:txBody>
+                  <a:tcPr/>
+                </a:tc>
+                <a:tc>
+                  <a:txBody>
+                    <a:bodyPr/>
+                    <a:lstStyle/>
+                    <a:p>
                       <a:r>
                         <a:rPr lang="en-US" sz="1600" dirty="0" err="1" smtClean="0"/>
-                        <a:t>ToString</a:t>
-                      </a:r>
+                        <a:t>SuitType</a:t>
+                      </a:r>
+                      <a:endParaRPr lang="ru-RU" sz="1600" dirty="0"/>
+                    </a:p>
+                  </a:txBody>
+                  <a:tcPr/>
+                </a:tc>
+              </a:tr>
+              <a:tr h="370840">
+                <a:tc>
+                  <a:txBody>
+                    <a:bodyPr/>
+                    <a:lstStyle/>
+                    <a:p>
                       <a:r>
                         <a:rPr lang="en-US" sz="1600" dirty="0" smtClean="0"/>
-                        <a:t>()</a:t>
-                      </a:r>
+                        <a:t>public</a:t>
+                      </a:r>
+                      <a:endParaRPr lang="ru-RU" sz="1600" dirty="0"/>
+                    </a:p>
+                  </a:txBody>
+                  <a:tcPr/>
+                </a:tc>
+                <a:tc>
+                  <a:txBody>
+                    <a:bodyPr/>
+                    <a:lstStyle/>
+                    <a:p>
+                      <a:r>
+                        <a:rPr lang="en-US" sz="1600" dirty="0" err="1" smtClean="0"/>
+                        <a:t>GetCardRank</a:t>
+                      </a:r>
+                      <a:endParaRPr lang="ru-RU" sz="1600" dirty="0"/>
+                    </a:p>
+                  </a:txBody>
+                  <a:tcPr/>
+                </a:tc>
+                <a:tc>
+                  <a:txBody>
+                    <a:bodyPr/>
+                    <a:lstStyle/>
+                    <a:p>
+                      <a:r>
+                        <a:rPr lang="en-US" sz="1600" dirty="0" smtClean="0"/>
+                        <a:t> - </a:t>
+                      </a:r>
+                      <a:endParaRPr lang="ru-RU" sz="1600" dirty="0"/>
+                    </a:p>
+                  </a:txBody>
+                  <a:tcPr/>
+                </a:tc>
+                <a:tc>
+                  <a:txBody>
+                    <a:bodyPr/>
+                    <a:lstStyle/>
+                    <a:p>
+                      <a:pPr>
+                        <a:buFont typeface="Courier New" panose="02070309020205020404" pitchFamily="49" charset="0"/>
+                        <a:buNone/>
+                      </a:pPr>
                       <a:r>
                         <a:rPr lang="ru-RU" sz="1600" dirty="0" smtClean="0"/>
-                        <a:t>)</a:t>
+                        <a:t>Возвращает информацию</a:t>
+                      </a:r>
+                      <a:r>
+                        <a:rPr lang="ru-RU" sz="1600" baseline="0" dirty="0" smtClean="0"/>
+                        <a:t> о ранге </a:t>
                       </a:r>
                       <a:endParaRPr lang="en-US" sz="1600" dirty="0" smtClean="0"/>
                     </a:p>
@@ -12628,8 +12708,8 @@
                     <a:lstStyle/>
                     <a:p>
                       <a:r>
-                        <a:rPr lang="en-US" sz="1600" dirty="0" smtClean="0"/>
-                        <a:t>Card/string</a:t>
+                        <a:rPr lang="en-US" sz="1600" dirty="0" err="1" smtClean="0"/>
+                        <a:t>RankType</a:t>
                       </a:r>
                       <a:endParaRPr lang="ru-RU" sz="1600" dirty="0"/>
                     </a:p>
@@ -12898,14 +12978,14 @@
           <p:nvPr>
             <p:extLst>
               <p:ext uri="{D42A27DB-BD31-4B8C-83A1-F6EECF244321}">
-                <p14:modId xmlns:p14="http://schemas.microsoft.com/office/powerpoint/2010/main" val="3007509204"/>
+                <p14:modId xmlns:p14="http://schemas.microsoft.com/office/powerpoint/2010/main" val="207664719"/>
               </p:ext>
             </p:extLst>
           </p:nvPr>
         </p:nvGraphicFramePr>
         <p:xfrm>
           <a:off x="710586" y="3465786"/>
-          <a:ext cx="9530694" cy="2936240"/>
+          <a:ext cx="9530694" cy="2463498"/>
         </p:xfrm>
         <a:graphic>
           <a:graphicData uri="http://schemas.openxmlformats.org/drawingml/2006/table">
@@ -12996,7 +13076,7 @@
                   <a:tcPr/>
                 </a:tc>
               </a:tr>
-              <a:tr h="370840">
+              <a:tr h="324818">
                 <a:tc>
                   <a:txBody>
                     <a:bodyPr/>
@@ -13018,7 +13098,7 @@
                     <a:p>
                       <a:r>
                         <a:rPr lang="en-US" sz="1400" dirty="0" err="1" smtClean="0"/>
-                        <a:t>DrawCard</a:t>
+                        <a:t>DrawCards</a:t>
                       </a:r>
                       <a:endParaRPr lang="ru-RU" sz="1400" dirty="0"/>
                     </a:p>
@@ -13031,8 +13111,12 @@
                     <a:lstStyle/>
                     <a:p>
                       <a:r>
+                        <a:rPr lang="en-US" sz="1400" dirty="0" err="1" smtClean="0"/>
+                        <a:t>int</a:t>
+                      </a:r>
+                      <a:r>
                         <a:rPr lang="en-US" sz="1400" dirty="0" smtClean="0"/>
-                        <a:t>-</a:t>
+                        <a:t> count</a:t>
                       </a:r>
                       <a:endParaRPr lang="ru-RU" sz="1400" dirty="0"/>
                     </a:p>
@@ -13063,7 +13147,19 @@
                       </a:pPr>
                       <a:r>
                         <a:rPr lang="ru-RU" sz="1400" dirty="0" smtClean="0"/>
-                        <a:t>возвращает карту из колоды</a:t>
+                        <a:t>выдает</a:t>
+                      </a:r>
+                      <a:r>
+                        <a:rPr lang="ru-RU" sz="1400" baseline="0" dirty="0" smtClean="0"/>
+                        <a:t> карты</a:t>
+                      </a:r>
+                      <a:r>
+                        <a:rPr lang="ru-RU" sz="1400" dirty="0" smtClean="0"/>
+                        <a:t> </a:t>
+                      </a:r>
+                      <a:r>
+                        <a:rPr lang="ru-RU" sz="1400" dirty="0" smtClean="0"/>
+                        <a:t>из колоды</a:t>
                       </a:r>
                       <a:endParaRPr lang="ru-RU" sz="1400" dirty="0"/>
                     </a:p>
@@ -13077,7 +13173,7 @@
                     <a:p>
                       <a:r>
                         <a:rPr lang="en-US" sz="1400" dirty="0" smtClean="0"/>
-                        <a:t>Card</a:t>
+                        <a:t>List&lt;Card&gt;</a:t>
                       </a:r>
                       <a:endParaRPr lang="ru-RU" sz="1400" dirty="0"/>
                     </a:p>
@@ -13191,11 +13287,28 @@
                     <a:bodyPr/>
                     <a:lstStyle/>
                     <a:p>
+                      <a:pPr marL="0" marR="0" indent="0" algn="l" defTabSz="457200" rtl="0" eaLnBrk="1" fontAlgn="auto" latinLnBrk="0" hangingPunct="1">
+                        <a:lnSpc>
+                          <a:spcPct val="100000"/>
+                        </a:lnSpc>
+                        <a:spcBef>
+                          <a:spcPts val="0"/>
+                        </a:spcBef>
+                        <a:spcAft>
+                          <a:spcPts val="0"/>
+                        </a:spcAft>
+                        <a:buClrTx/>
+                        <a:buSzTx/>
+                        <a:buFontTx/>
+                        <a:buNone/>
+                        <a:tabLst/>
+                        <a:defRPr/>
+                      </a:pPr>
                       <a:r>
                         <a:rPr lang="en-US" sz="1400" dirty="0" smtClean="0"/>
-                        <a:t>get; set;</a:t>
-                      </a:r>
-                      <a:endParaRPr lang="ru-RU" sz="1400" dirty="0"/>
+                        <a:t>List&lt;Card&gt; cards</a:t>
+                      </a:r>
+                      <a:endParaRPr lang="ru-RU" sz="1400" dirty="0" smtClean="0"/>
                     </a:p>
                   </a:txBody>
                   <a:tcPr/>
@@ -13207,7 +13320,11 @@
                     <a:p>
                       <a:r>
                         <a:rPr lang="ru-RU" sz="1400" dirty="0" smtClean="0"/>
-                        <a:t>свойство для работы с козырной мастью, выбирает первую карту козырем, убирает ее в конец колоды </a:t>
+                        <a:t>выбирает </a:t>
+                      </a:r>
+                      <a:r>
+                        <a:rPr lang="ru-RU" sz="1400" dirty="0" smtClean="0"/>
+                        <a:t>первую карту козырем, убирает ее в конец колоды </a:t>
                       </a:r>
                       <a:endParaRPr lang="ru-RU" sz="1400" dirty="0"/>
                     </a:p>

--- a/Docs/Учебный проект по ООП.pptx
+++ b/Docs/Учебный проект по ООП.pptx
@@ -850,7 +850,7 @@
           <a:p>
             <a:fld id="{67F89646-1222-4892-9EE2-AFA9BBC21E33}" type="datetimeFigureOut">
               <a:rPr lang="ru-RU" smtClean="0"/>
-              <a:t>21.09.2024</a:t>
+              <a:t>02.10.2024</a:t>
             </a:fld>
             <a:endParaRPr lang="ru-RU"/>
           </a:p>
@@ -1101,7 +1101,7 @@
           <a:p>
             <a:fld id="{67F89646-1222-4892-9EE2-AFA9BBC21E33}" type="datetimeFigureOut">
               <a:rPr lang="ru-RU" smtClean="0"/>
-              <a:t>21.09.2024</a:t>
+              <a:t>02.10.2024</a:t>
             </a:fld>
             <a:endParaRPr lang="ru-RU"/>
           </a:p>
@@ -1415,7 +1415,7 @@
           <a:p>
             <a:fld id="{67F89646-1222-4892-9EE2-AFA9BBC21E33}" type="datetimeFigureOut">
               <a:rPr lang="ru-RU" smtClean="0"/>
-              <a:t>21.09.2024</a:t>
+              <a:t>02.10.2024</a:t>
             </a:fld>
             <a:endParaRPr lang="ru-RU"/>
           </a:p>
@@ -1756,7 +1756,7 @@
           <a:p>
             <a:fld id="{67F89646-1222-4892-9EE2-AFA9BBC21E33}" type="datetimeFigureOut">
               <a:rPr lang="ru-RU" smtClean="0"/>
-              <a:t>21.09.2024</a:t>
+              <a:t>02.10.2024</a:t>
             </a:fld>
             <a:endParaRPr lang="ru-RU"/>
           </a:p>
@@ -2070,7 +2070,7 @@
           <a:p>
             <a:fld id="{67F89646-1222-4892-9EE2-AFA9BBC21E33}" type="datetimeFigureOut">
               <a:rPr lang="ru-RU" smtClean="0"/>
-              <a:t>21.09.2024</a:t>
+              <a:t>02.10.2024</a:t>
             </a:fld>
             <a:endParaRPr lang="ru-RU"/>
           </a:p>
@@ -2463,7 +2463,7 @@
           <a:p>
             <a:fld id="{67F89646-1222-4892-9EE2-AFA9BBC21E33}" type="datetimeFigureOut">
               <a:rPr lang="ru-RU" smtClean="0"/>
-              <a:t>21.09.2024</a:t>
+              <a:t>02.10.2024</a:t>
             </a:fld>
             <a:endParaRPr lang="ru-RU"/>
           </a:p>
@@ -2633,7 +2633,7 @@
           <a:p>
             <a:fld id="{67F89646-1222-4892-9EE2-AFA9BBC21E33}" type="datetimeFigureOut">
               <a:rPr lang="ru-RU" smtClean="0"/>
-              <a:t>21.09.2024</a:t>
+              <a:t>02.10.2024</a:t>
             </a:fld>
             <a:endParaRPr lang="ru-RU"/>
           </a:p>
@@ -2813,7 +2813,7 @@
           <a:p>
             <a:fld id="{67F89646-1222-4892-9EE2-AFA9BBC21E33}" type="datetimeFigureOut">
               <a:rPr lang="ru-RU" smtClean="0"/>
-              <a:t>21.09.2024</a:t>
+              <a:t>02.10.2024</a:t>
             </a:fld>
             <a:endParaRPr lang="ru-RU"/>
           </a:p>
@@ -2989,7 +2989,7 @@
           <a:p>
             <a:fld id="{67F89646-1222-4892-9EE2-AFA9BBC21E33}" type="datetimeFigureOut">
               <a:rPr lang="ru-RU" smtClean="0"/>
-              <a:t>21.09.2024</a:t>
+              <a:t>02.10.2024</a:t>
             </a:fld>
             <a:endParaRPr lang="ru-RU"/>
           </a:p>
@@ -3236,7 +3236,7 @@
           <a:p>
             <a:fld id="{67F89646-1222-4892-9EE2-AFA9BBC21E33}" type="datetimeFigureOut">
               <a:rPr lang="ru-RU" smtClean="0"/>
-              <a:t>21.09.2024</a:t>
+              <a:t>02.10.2024</a:t>
             </a:fld>
             <a:endParaRPr lang="ru-RU"/>
           </a:p>
@@ -3468,7 +3468,7 @@
           <a:p>
             <a:fld id="{67F89646-1222-4892-9EE2-AFA9BBC21E33}" type="datetimeFigureOut">
               <a:rPr lang="ru-RU" smtClean="0"/>
-              <a:t>21.09.2024</a:t>
+              <a:t>02.10.2024</a:t>
             </a:fld>
             <a:endParaRPr lang="ru-RU"/>
           </a:p>
@@ -3842,7 +3842,7 @@
           <a:p>
             <a:fld id="{67F89646-1222-4892-9EE2-AFA9BBC21E33}" type="datetimeFigureOut">
               <a:rPr lang="ru-RU" smtClean="0"/>
-              <a:t>21.09.2024</a:t>
+              <a:t>02.10.2024</a:t>
             </a:fld>
             <a:endParaRPr lang="ru-RU"/>
           </a:p>
@@ -3965,7 +3965,7 @@
           <a:p>
             <a:fld id="{67F89646-1222-4892-9EE2-AFA9BBC21E33}" type="datetimeFigureOut">
               <a:rPr lang="ru-RU" smtClean="0"/>
-              <a:t>21.09.2024</a:t>
+              <a:t>02.10.2024</a:t>
             </a:fld>
             <a:endParaRPr lang="ru-RU"/>
           </a:p>
@@ -4060,7 +4060,7 @@
           <a:p>
             <a:fld id="{67F89646-1222-4892-9EE2-AFA9BBC21E33}" type="datetimeFigureOut">
               <a:rPr lang="ru-RU" smtClean="0"/>
-              <a:t>21.09.2024</a:t>
+              <a:t>02.10.2024</a:t>
             </a:fld>
             <a:endParaRPr lang="ru-RU"/>
           </a:p>
@@ -4315,7 +4315,7 @@
           <a:p>
             <a:fld id="{67F89646-1222-4892-9EE2-AFA9BBC21E33}" type="datetimeFigureOut">
               <a:rPr lang="ru-RU" smtClean="0"/>
-              <a:t>21.09.2024</a:t>
+              <a:t>02.10.2024</a:t>
             </a:fld>
             <a:endParaRPr lang="ru-RU"/>
           </a:p>
@@ -4578,7 +4578,7 @@
           <a:p>
             <a:fld id="{67F89646-1222-4892-9EE2-AFA9BBC21E33}" type="datetimeFigureOut">
               <a:rPr lang="ru-RU" smtClean="0"/>
-              <a:t>21.09.2024</a:t>
+              <a:t>02.10.2024</a:t>
             </a:fld>
             <a:endParaRPr lang="ru-RU"/>
           </a:p>
@@ -5321,7 +5321,7 @@
           <a:p>
             <a:fld id="{67F89646-1222-4892-9EE2-AFA9BBC21E33}" type="datetimeFigureOut">
               <a:rPr lang="ru-RU" smtClean="0"/>
-              <a:t>21.09.2024</a:t>
+              <a:t>02.10.2024</a:t>
             </a:fld>
             <a:endParaRPr lang="ru-RU"/>
           </a:p>
@@ -11515,7 +11515,7 @@
       </p:grpSpPr>
       <p:pic>
         <p:nvPicPr>
-          <p:cNvPr id="3" name="Рисунок 2"/>
+          <p:cNvPr id="2" name="Рисунок 1"/>
           <p:cNvPicPr>
             <a:picLocks noChangeAspect="1"/>
           </p:cNvPicPr>
@@ -11535,8 +11535,8 @@
         </p:blipFill>
         <p:spPr>
           <a:xfrm>
-            <a:off x="476105" y="133002"/>
-            <a:ext cx="9723611" cy="6276398"/>
+            <a:off x="423949" y="0"/>
+            <a:ext cx="8961463" cy="6434052"/>
           </a:xfrm>
           <a:prstGeom prst="rect">
             <a:avLst/>
@@ -12611,11 +12611,7 @@
                       </a:pPr>
                       <a:r>
                         <a:rPr lang="ru-RU" sz="1600" dirty="0" smtClean="0"/>
-                        <a:t>возвращает информацию </a:t>
-                      </a:r>
-                      <a:r>
-                        <a:rPr lang="ru-RU" sz="1600" dirty="0" smtClean="0"/>
-                        <a:t>масти</a:t>
+                        <a:t>возвращает информацию масти</a:t>
                       </a:r>
                       <a:endParaRPr lang="en-US" sz="1600" dirty="0" smtClean="0"/>
                     </a:p>
@@ -13155,11 +13151,7 @@
                       </a:r>
                       <a:r>
                         <a:rPr lang="ru-RU" sz="1400" dirty="0" smtClean="0"/>
-                        <a:t> </a:t>
-                      </a:r>
-                      <a:r>
-                        <a:rPr lang="ru-RU" sz="1400" dirty="0" smtClean="0"/>
-                        <a:t>из колоды</a:t>
+                        <a:t> из колоды</a:t>
                       </a:r>
                       <a:endParaRPr lang="ru-RU" sz="1400" dirty="0"/>
                     </a:p>
@@ -13320,11 +13312,7 @@
                     <a:p>
                       <a:r>
                         <a:rPr lang="ru-RU" sz="1400" dirty="0" smtClean="0"/>
-                        <a:t>выбирает </a:t>
-                      </a:r>
-                      <a:r>
-                        <a:rPr lang="ru-RU" sz="1400" dirty="0" smtClean="0"/>
-                        <a:t>первую карту козырем, убирает ее в конец колоды </a:t>
+                        <a:t>выбирает первую карту козырем, убирает ее в конец колоды </a:t>
                       </a:r>
                       <a:endParaRPr lang="ru-RU" sz="1400" dirty="0"/>
                     </a:p>
